--- a/Use Cases/UseCaseDiagram.pptx
+++ b/Use Cases/UseCaseDiagram.pptx
@@ -9,7 +9,6 @@
     <p:sldId id="257" r:id="rId3"/>
     <p:sldId id="258" r:id="rId4"/>
     <p:sldId id="263" r:id="rId5"/>
-    <p:sldId id="260" r:id="rId6"/>
   </p:sldIdLst>
   <p:sldSz cx="9144000" cy="6858000" type="screen4x3"/>
   <p:notesSz cx="6858000" cy="9144000"/>
@@ -341,7 +340,7 @@
           <a:p>
             <a:fld id="{F2A43102-F2E9-4EE9-80B7-81FDD58631CE}" type="datetimeFigureOut">
               <a:rPr lang="en-US" smtClean="0"/>
-              <a:t>4/14/2016</a:t>
+              <a:t>4/20/2016</a:t>
             </a:fld>
             <a:endParaRPr lang="en-US"/>
           </a:p>
@@ -554,7 +553,7 @@
           <a:p>
             <a:fld id="{F2A43102-F2E9-4EE9-80B7-81FDD58631CE}" type="datetimeFigureOut">
               <a:rPr lang="en-US" smtClean="0"/>
-              <a:t>4/14/2016</a:t>
+              <a:t>4/20/2016</a:t>
             </a:fld>
             <a:endParaRPr lang="en-US"/>
           </a:p>
@@ -729,7 +728,7 @@
           <a:p>
             <a:fld id="{F2A43102-F2E9-4EE9-80B7-81FDD58631CE}" type="datetimeFigureOut">
               <a:rPr lang="en-US" smtClean="0"/>
-              <a:t>4/14/2016</a:t>
+              <a:t>4/20/2016</a:t>
             </a:fld>
             <a:endParaRPr lang="en-US"/>
           </a:p>
@@ -894,7 +893,7 @@
           <a:p>
             <a:fld id="{F2A43102-F2E9-4EE9-80B7-81FDD58631CE}" type="datetimeFigureOut">
               <a:rPr lang="en-US" smtClean="0"/>
-              <a:t>4/14/2016</a:t>
+              <a:t>4/20/2016</a:t>
             </a:fld>
             <a:endParaRPr lang="en-US"/>
           </a:p>
@@ -1178,7 +1177,7 @@
           <a:p>
             <a:fld id="{F2A43102-F2E9-4EE9-80B7-81FDD58631CE}" type="datetimeFigureOut">
               <a:rPr lang="en-US" smtClean="0"/>
-              <a:t>4/14/2016</a:t>
+              <a:t>4/20/2016</a:t>
             </a:fld>
             <a:endParaRPr lang="en-US"/>
           </a:p>
@@ -1504,7 +1503,7 @@
           <a:p>
             <a:fld id="{F2A43102-F2E9-4EE9-80B7-81FDD58631CE}" type="datetimeFigureOut">
               <a:rPr lang="en-US" smtClean="0"/>
-              <a:t>4/14/2016</a:t>
+              <a:t>4/20/2016</a:t>
             </a:fld>
             <a:endParaRPr lang="en-US"/>
           </a:p>
@@ -1929,7 +1928,7 @@
           <a:p>
             <a:fld id="{F2A43102-F2E9-4EE9-80B7-81FDD58631CE}" type="datetimeFigureOut">
               <a:rPr lang="en-US" smtClean="0"/>
-              <a:t>4/14/2016</a:t>
+              <a:t>4/20/2016</a:t>
             </a:fld>
             <a:endParaRPr lang="en-US"/>
           </a:p>
@@ -2102,7 +2101,7 @@
           <a:p>
             <a:fld id="{F2A43102-F2E9-4EE9-80B7-81FDD58631CE}" type="datetimeFigureOut">
               <a:rPr lang="en-US" smtClean="0"/>
-              <a:t>4/14/2016</a:t>
+              <a:t>4/20/2016</a:t>
             </a:fld>
             <a:endParaRPr lang="en-US"/>
           </a:p>
@@ -2192,7 +2191,7 @@
           <a:p>
             <a:fld id="{F2A43102-F2E9-4EE9-80B7-81FDD58631CE}" type="datetimeFigureOut">
               <a:rPr lang="en-US" smtClean="0"/>
-              <a:t>4/14/2016</a:t>
+              <a:t>4/20/2016</a:t>
             </a:fld>
             <a:endParaRPr lang="en-US"/>
           </a:p>
@@ -2472,7 +2471,7 @@
           <a:p>
             <a:fld id="{F2A43102-F2E9-4EE9-80B7-81FDD58631CE}" type="datetimeFigureOut">
               <a:rPr lang="en-US" smtClean="0"/>
-              <a:t>4/14/2016</a:t>
+              <a:t>4/20/2016</a:t>
             </a:fld>
             <a:endParaRPr lang="en-US"/>
           </a:p>
@@ -2771,7 +2770,7 @@
           <a:p>
             <a:fld id="{F2A43102-F2E9-4EE9-80B7-81FDD58631CE}" type="datetimeFigureOut">
               <a:rPr lang="en-US" smtClean="0"/>
-              <a:t>4/14/2016</a:t>
+              <a:t>4/20/2016</a:t>
             </a:fld>
             <a:endParaRPr lang="en-US"/>
           </a:p>
@@ -2981,7 +2980,7 @@
           <a:p>
             <a:fld id="{F2A43102-F2E9-4EE9-80B7-81FDD58631CE}" type="datetimeFigureOut">
               <a:rPr lang="en-US" smtClean="0"/>
-              <a:t>4/14/2016</a:t>
+              <a:t>4/20/2016</a:t>
             </a:fld>
             <a:endParaRPr lang="en-US"/>
           </a:p>
@@ -3652,7 +3651,7 @@
         </p:nvSpPr>
         <p:spPr>
           <a:xfrm>
-            <a:off x="4038600" y="609600"/>
+            <a:off x="2184004" y="419100"/>
             <a:ext cx="1447800" cy="685800"/>
           </a:xfrm>
           <a:prstGeom prst="ellipse">
@@ -3680,8 +3679,9 @@
             <a:pPr algn="ctr"/>
             <a:r>
               <a:rPr lang="en-GB" sz="1050" dirty="0" smtClean="0"/>
-              <a:t>Create/Delete account</a:t>
-            </a:r>
+              <a:t>Create/Update/Delete Account</a:t>
+            </a:r>
+            <a:endParaRPr lang="en-GB" sz="1050" dirty="0" smtClean="0"/>
           </a:p>
         </p:txBody>
       </p:sp>
@@ -3734,7 +3734,7 @@
         </p:nvSpPr>
         <p:spPr>
           <a:xfrm>
-            <a:off x="6127916" y="762000"/>
+            <a:off x="3911741" y="460480"/>
             <a:ext cx="1447800" cy="685800"/>
           </a:xfrm>
           <a:prstGeom prst="ellipse">
@@ -3762,8 +3762,9 @@
             <a:pPr algn="ctr"/>
             <a:r>
               <a:rPr lang="en-GB" sz="1200" dirty="0" smtClean="0"/>
-              <a:t>Update Profile</a:t>
-            </a:r>
+              <a:t>Request Refund</a:t>
+            </a:r>
+            <a:endParaRPr lang="en-GB" sz="1200" dirty="0" smtClean="0"/>
           </a:p>
         </p:txBody>
       </p:sp>
@@ -3775,7 +3776,7 @@
         </p:nvSpPr>
         <p:spPr>
           <a:xfrm>
-            <a:off x="7010400" y="1616939"/>
+            <a:off x="5622968" y="702947"/>
             <a:ext cx="1447800" cy="685800"/>
           </a:xfrm>
           <a:prstGeom prst="ellipse">
@@ -3860,8 +3861,8 @@
         </p:nvCxnSpPr>
         <p:spPr>
           <a:xfrm flipV="1">
-            <a:off x="1565184" y="1194967"/>
-            <a:ext cx="2685441" cy="1529744"/>
+            <a:off x="1565184" y="1004467"/>
+            <a:ext cx="830845" cy="1720244"/>
           </a:xfrm>
           <a:prstGeom prst="straightConnector1">
             <a:avLst/>
@@ -3896,8 +3897,8 @@
         </p:nvCxnSpPr>
         <p:spPr>
           <a:xfrm flipV="1">
-            <a:off x="1565184" y="1347367"/>
-            <a:ext cx="4774757" cy="1377344"/>
+            <a:off x="1565184" y="1045847"/>
+            <a:ext cx="2558582" cy="1678864"/>
           </a:xfrm>
           <a:prstGeom prst="straightConnector1">
             <a:avLst/>
@@ -3932,8 +3933,8 @@
         </p:nvCxnSpPr>
         <p:spPr>
           <a:xfrm flipV="1">
-            <a:off x="1742210" y="1959839"/>
-            <a:ext cx="5268190" cy="1088161"/>
+            <a:off x="1742210" y="1045847"/>
+            <a:ext cx="3880758" cy="2002153"/>
           </a:xfrm>
           <a:prstGeom prst="straightConnector1">
             <a:avLst/>
@@ -4114,7 +4115,7 @@
         </p:nvSpPr>
         <p:spPr>
           <a:xfrm>
-            <a:off x="4038600" y="5237018"/>
+            <a:off x="4495800" y="5254324"/>
             <a:ext cx="1447800" cy="685800"/>
           </a:xfrm>
           <a:prstGeom prst="ellipse">
@@ -4159,7 +4160,7 @@
         <p:spPr>
           <a:xfrm>
             <a:off x="1565184" y="3371289"/>
-            <a:ext cx="3197316" cy="1865729"/>
+            <a:ext cx="3654516" cy="1883035"/>
           </a:xfrm>
           <a:prstGeom prst="straightConnector1">
             <a:avLst/>
@@ -4191,7 +4192,7 @@
         </p:nvSpPr>
         <p:spPr>
           <a:xfrm>
-            <a:off x="1828800" y="5237018"/>
+            <a:off x="1018310" y="5237018"/>
             <a:ext cx="1447800" cy="685800"/>
           </a:xfrm>
           <a:prstGeom prst="ellipse">
@@ -4241,7 +4242,7 @@
         <p:spPr>
           <a:xfrm>
             <a:off x="1137805" y="3505200"/>
-            <a:ext cx="903020" cy="1832251"/>
+            <a:ext cx="92530" cy="1832251"/>
           </a:xfrm>
           <a:prstGeom prst="straightConnector1">
             <a:avLst/>
@@ -4273,7 +4274,7 @@
         </p:nvSpPr>
         <p:spPr>
           <a:xfrm>
-            <a:off x="1828800" y="609600"/>
+            <a:off x="526473" y="278184"/>
             <a:ext cx="1447800" cy="685800"/>
           </a:xfrm>
           <a:prstGeom prst="ellipse">
@@ -4322,8 +4323,8 @@
         </p:nvCxnSpPr>
         <p:spPr>
           <a:xfrm flipV="1">
-            <a:off x="1137805" y="1295400"/>
-            <a:ext cx="1414895" cy="1295400"/>
+            <a:off x="1137805" y="963984"/>
+            <a:ext cx="112568" cy="1626816"/>
           </a:xfrm>
           <a:prstGeom prst="straightConnector1">
             <a:avLst/>
@@ -4390,6 +4391,162 @@
           </a:p>
         </p:txBody>
       </p:sp>
+      <p:sp>
+        <p:nvSpPr>
+          <p:cNvPr id="27" name="Oval 26"/>
+          <p:cNvSpPr/>
+          <p:nvPr/>
+        </p:nvSpPr>
+        <p:spPr>
+          <a:xfrm>
+            <a:off x="6996545" y="1434492"/>
+            <a:ext cx="1447800" cy="685800"/>
+          </a:xfrm>
+          <a:prstGeom prst="ellipse">
+            <a:avLst/>
+          </a:prstGeom>
+        </p:spPr>
+        <p:style>
+          <a:lnRef idx="1">
+            <a:schemeClr val="accent1"/>
+          </a:lnRef>
+          <a:fillRef idx="2">
+            <a:schemeClr val="accent1"/>
+          </a:fillRef>
+          <a:effectRef idx="1">
+            <a:schemeClr val="accent1"/>
+          </a:effectRef>
+          <a:fontRef idx="minor">
+            <a:schemeClr val="dk1"/>
+          </a:fontRef>
+        </p:style>
+        <p:txBody>
+          <a:bodyPr rtlCol="0" anchor="ctr"/>
+          <a:lstStyle/>
+          <a:p>
+            <a:pPr algn="ctr"/>
+            <a:r>
+              <a:rPr lang="en-GB" sz="1200" dirty="0" smtClean="0"/>
+              <a:t>Make Payment</a:t>
+            </a:r>
+            <a:endParaRPr lang="en-GB" sz="1200" dirty="0" smtClean="0"/>
+          </a:p>
+        </p:txBody>
+      </p:sp>
+      <p:cxnSp>
+        <p:nvCxnSpPr>
+          <p:cNvPr id="17" name="Straight Arrow Connector 16"/>
+          <p:cNvCxnSpPr>
+            <a:stCxn id="4" idx="6"/>
+            <a:endCxn id="27" idx="2"/>
+          </p:cNvCxnSpPr>
+          <p:nvPr/>
+        </p:nvCxnSpPr>
+        <p:spPr>
+          <a:xfrm flipV="1">
+            <a:off x="1742210" y="1777392"/>
+            <a:ext cx="5254335" cy="1270608"/>
+          </a:xfrm>
+          <a:prstGeom prst="straightConnector1">
+            <a:avLst/>
+          </a:prstGeom>
+          <a:ln>
+            <a:tailEnd type="arrow"/>
+          </a:ln>
+        </p:spPr>
+        <p:style>
+          <a:lnRef idx="1">
+            <a:schemeClr val="accent1"/>
+          </a:lnRef>
+          <a:fillRef idx="0">
+            <a:schemeClr val="accent1"/>
+          </a:fillRef>
+          <a:effectRef idx="0">
+            <a:schemeClr val="accent1"/>
+          </a:effectRef>
+          <a:fontRef idx="minor">
+            <a:schemeClr val="tx1"/>
+          </a:fontRef>
+        </p:style>
+      </p:cxnSp>
+      <p:sp>
+        <p:nvSpPr>
+          <p:cNvPr id="32" name="Oval 31"/>
+          <p:cNvSpPr/>
+          <p:nvPr/>
+        </p:nvSpPr>
+        <p:spPr>
+          <a:xfrm>
+            <a:off x="2844475" y="5337451"/>
+            <a:ext cx="1447800" cy="685800"/>
+          </a:xfrm>
+          <a:prstGeom prst="ellipse">
+            <a:avLst/>
+          </a:prstGeom>
+        </p:spPr>
+        <p:style>
+          <a:lnRef idx="1">
+            <a:schemeClr val="accent1"/>
+          </a:lnRef>
+          <a:fillRef idx="2">
+            <a:schemeClr val="accent1"/>
+          </a:fillRef>
+          <a:effectRef idx="1">
+            <a:schemeClr val="accent1"/>
+          </a:effectRef>
+          <a:fontRef idx="minor">
+            <a:schemeClr val="dk1"/>
+          </a:fontRef>
+        </p:style>
+        <p:txBody>
+          <a:bodyPr rtlCol="0" anchor="ctr"/>
+          <a:lstStyle/>
+          <a:p>
+            <a:pPr algn="ctr"/>
+            <a:r>
+              <a:rPr lang="en-GB" sz="1200" dirty="0" smtClean="0"/>
+              <a:t>View Dashboard</a:t>
+            </a:r>
+            <a:endParaRPr lang="en-GB" sz="1200" dirty="0" smtClean="0"/>
+          </a:p>
+        </p:txBody>
+      </p:sp>
+      <p:cxnSp>
+        <p:nvCxnSpPr>
+          <p:cNvPr id="22" name="Straight Arrow Connector 21"/>
+          <p:cNvCxnSpPr>
+            <a:stCxn id="4" idx="5"/>
+            <a:endCxn id="32" idx="0"/>
+          </p:cNvCxnSpPr>
+          <p:nvPr/>
+        </p:nvCxnSpPr>
+        <p:spPr>
+          <a:xfrm>
+            <a:off x="1565184" y="3371289"/>
+            <a:ext cx="2003191" cy="1966162"/>
+          </a:xfrm>
+          <a:prstGeom prst="straightConnector1">
+            <a:avLst/>
+          </a:prstGeom>
+          <a:ln>
+            <a:tailEnd type="arrow"/>
+          </a:ln>
+        </p:spPr>
+        <p:style>
+          <a:lnRef idx="1">
+            <a:schemeClr val="accent1"/>
+          </a:lnRef>
+          <a:fillRef idx="0">
+            <a:schemeClr val="accent1"/>
+          </a:fillRef>
+          <a:effectRef idx="0">
+            <a:schemeClr val="accent1"/>
+          </a:effectRef>
+          <a:fontRef idx="minor">
+            <a:schemeClr val="tx1"/>
+          </a:fontRef>
+        </p:style>
+      </p:cxnSp>
     </p:spTree>
     <p:extLst>
       <p:ext uri="{BB962C8B-B14F-4D97-AF65-F5344CB8AC3E}">
@@ -4470,7 +4627,7 @@
         </p:nvSpPr>
         <p:spPr>
           <a:xfrm>
-            <a:off x="4038600" y="609600"/>
+            <a:off x="3956026" y="405295"/>
             <a:ext cx="1447800" cy="685800"/>
           </a:xfrm>
           <a:prstGeom prst="ellipse">
@@ -4500,6 +4657,7 @@
               <a:rPr lang="en-GB" sz="1000" dirty="0" smtClean="0"/>
               <a:t>Update Property</a:t>
             </a:r>
+            <a:endParaRPr lang="en-GB" sz="1000" dirty="0" smtClean="0"/>
           </a:p>
         </p:txBody>
       </p:sp>
@@ -4678,8 +4836,8 @@
         </p:nvCxnSpPr>
         <p:spPr>
           <a:xfrm flipV="1">
-            <a:off x="1565184" y="1194967"/>
-            <a:ext cx="2685441" cy="1529744"/>
+            <a:off x="1565184" y="990662"/>
+            <a:ext cx="2602867" cy="1734049"/>
           </a:xfrm>
           <a:prstGeom prst="straightConnector1">
             <a:avLst/>
@@ -5103,7 +5261,7 @@
         </p:nvSpPr>
         <p:spPr>
           <a:xfrm>
-            <a:off x="1828800" y="609600"/>
+            <a:off x="1333377" y="419125"/>
             <a:ext cx="1447800" cy="685800"/>
           </a:xfrm>
           <a:prstGeom prst="ellipse">
@@ -5131,7 +5289,11 @@
             <a:pPr algn="ctr"/>
             <a:r>
               <a:rPr lang="en-GB" sz="1000" dirty="0" smtClean="0"/>
-              <a:t>Add Property</a:t>
+              <a:t>Add </a:t>
+            </a:r>
+            <a:r>
+              <a:rPr lang="en-GB" sz="1000" dirty="0" smtClean="0"/>
+              <a:t>Property</a:t>
             </a:r>
           </a:p>
         </p:txBody>
@@ -5147,8 +5309,8 @@
         </p:nvCxnSpPr>
         <p:spPr>
           <a:xfrm flipV="1">
-            <a:off x="1137805" y="1295400"/>
-            <a:ext cx="1414895" cy="1295400"/>
+            <a:off x="1137805" y="1104925"/>
+            <a:ext cx="919472" cy="1485875"/>
           </a:xfrm>
           <a:prstGeom prst="straightConnector1">
             <a:avLst/>
@@ -5446,7 +5608,15 @@
             <a:pPr algn="ctr"/>
             <a:r>
               <a:rPr lang="en-GB" sz="1000" dirty="0" smtClean="0"/>
-              <a:t>Add/Approve Refunds</a:t>
+              <a:t>Reject /</a:t>
+            </a:r>
+            <a:r>
+              <a:rPr lang="en-GB" sz="1000" dirty="0" smtClean="0"/>
+              <a:t>Approve </a:t>
+            </a:r>
+            <a:r>
+              <a:rPr lang="en-GB" sz="1000" dirty="0" smtClean="0"/>
+              <a:t>Refunds</a:t>
             </a:r>
           </a:p>
         </p:txBody>
@@ -6031,79 +6201,6 @@
     <p:extLst>
       <p:ext uri="{BB962C8B-B14F-4D97-AF65-F5344CB8AC3E}">
         <p14:creationId xmlns:p14="http://schemas.microsoft.com/office/powerpoint/2010/main" val="2436354930"/>
-      </p:ext>
-    </p:extLst>
-  </p:cSld>
-  <p:clrMapOvr>
-    <a:masterClrMapping/>
-  </p:clrMapOvr>
-</p:sld>
-</file>
-
-<file path=ppt/slides/slide5.xml><?xml version="1.0" encoding="utf-8"?>
-<p:sld xmlns:a="http://schemas.openxmlformats.org/drawingml/2006/main" xmlns:r="http://schemas.openxmlformats.org/officeDocument/2006/relationships" xmlns:p="http://schemas.openxmlformats.org/presentationml/2006/main">
-  <p:cSld>
-    <p:spTree>
-      <p:nvGrpSpPr>
-        <p:cNvPr id="1" name=""/>
-        <p:cNvGrpSpPr/>
-        <p:nvPr/>
-      </p:nvGrpSpPr>
-      <p:grpSpPr>
-        <a:xfrm>
-          <a:off x="0" y="0"/>
-          <a:ext cx="0" cy="0"/>
-          <a:chOff x="0" y="0"/>
-          <a:chExt cx="0" cy="0"/>
-        </a:xfrm>
-      </p:grpSpPr>
-      <p:sp>
-        <p:nvSpPr>
-          <p:cNvPr id="2" name="TextBox 1"/>
-          <p:cNvSpPr txBox="1"/>
-          <p:nvPr/>
-        </p:nvSpPr>
-        <p:spPr>
-          <a:xfrm>
-            <a:off x="3956026" y="0"/>
-            <a:ext cx="1665841" cy="369332"/>
-          </a:xfrm>
-          <a:prstGeom prst="rect">
-            <a:avLst/>
-          </a:prstGeom>
-        </p:spPr>
-        <p:style>
-          <a:lnRef idx="1">
-            <a:schemeClr val="accent1"/>
-          </a:lnRef>
-          <a:fillRef idx="2">
-            <a:schemeClr val="accent1"/>
-          </a:fillRef>
-          <a:effectRef idx="1">
-            <a:schemeClr val="accent1"/>
-          </a:effectRef>
-          <a:fontRef idx="minor">
-            <a:schemeClr val="dk1"/>
-          </a:fontRef>
-        </p:style>
-        <p:txBody>
-          <a:bodyPr wrap="none" rtlCol="0">
-            <a:spAutoFit/>
-          </a:bodyPr>
-          <a:lstStyle/>
-          <a:p>
-            <a:r>
-              <a:rPr lang="en-GB" dirty="0" smtClean="0"/>
-              <a:t>DreamHalt.com</a:t>
-            </a:r>
-            <a:endParaRPr lang="en-US" dirty="0"/>
-          </a:p>
-        </p:txBody>
-      </p:sp>
-    </p:spTree>
-    <p:extLst>
-      <p:ext uri="{BB962C8B-B14F-4D97-AF65-F5344CB8AC3E}">
-        <p14:creationId xmlns:p14="http://schemas.microsoft.com/office/powerpoint/2010/main" val="1084102573"/>
       </p:ext>
     </p:extLst>
   </p:cSld>
